--- a/Presentations/ProjectPresentation_04-27-JM.pptx
+++ b/Presentations/ProjectPresentation_04-27-JM.pptx
@@ -282,7 +282,7 @@
           <a:p>
             <a:fld id="{CD63FF02-0E8F-C94D-9333-E7E525B6484A}" type="datetimeFigureOut">
               <a:rPr lang="en-US" smtClean="0"/>
-              <a:t>4/26/2021</a:t>
+              <a:t>4/27/2021</a:t>
             </a:fld>
             <a:endParaRPr lang="en-US"/>
           </a:p>
@@ -480,7 +480,7 @@
           <a:p>
             <a:fld id="{CD63FF02-0E8F-C94D-9333-E7E525B6484A}" type="datetimeFigureOut">
               <a:rPr lang="en-US" smtClean="0"/>
-              <a:t>4/26/2021</a:t>
+              <a:t>4/27/2021</a:t>
             </a:fld>
             <a:endParaRPr lang="en-US"/>
           </a:p>
@@ -688,7 +688,7 @@
           <a:p>
             <a:fld id="{CD63FF02-0E8F-C94D-9333-E7E525B6484A}" type="datetimeFigureOut">
               <a:rPr lang="en-US" smtClean="0"/>
-              <a:t>4/26/2021</a:t>
+              <a:t>4/27/2021</a:t>
             </a:fld>
             <a:endParaRPr lang="en-US"/>
           </a:p>
@@ -891,7 +891,7 @@
           <a:p>
             <a:fld id="{CD63FF02-0E8F-C94D-9333-E7E525B6484A}" type="datetimeFigureOut">
               <a:rPr lang="en-US" smtClean="0"/>
-              <a:t>4/26/2021</a:t>
+              <a:t>4/27/2021</a:t>
             </a:fld>
             <a:endParaRPr lang="en-US"/>
           </a:p>
@@ -1166,7 +1166,7 @@
           <a:p>
             <a:fld id="{CD63FF02-0E8F-C94D-9333-E7E525B6484A}" type="datetimeFigureOut">
               <a:rPr lang="en-US" smtClean="0"/>
-              <a:t>4/26/2021</a:t>
+              <a:t>4/27/2021</a:t>
             </a:fld>
             <a:endParaRPr lang="en-US"/>
           </a:p>
@@ -1431,7 +1431,7 @@
           <a:p>
             <a:fld id="{CD63FF02-0E8F-C94D-9333-E7E525B6484A}" type="datetimeFigureOut">
               <a:rPr lang="en-US" smtClean="0"/>
-              <a:t>4/26/2021</a:t>
+              <a:t>4/27/2021</a:t>
             </a:fld>
             <a:endParaRPr lang="en-US"/>
           </a:p>
@@ -1843,7 +1843,7 @@
           <a:p>
             <a:fld id="{CD63FF02-0E8F-C94D-9333-E7E525B6484A}" type="datetimeFigureOut">
               <a:rPr lang="en-US" smtClean="0"/>
-              <a:t>4/26/2021</a:t>
+              <a:t>4/27/2021</a:t>
             </a:fld>
             <a:endParaRPr lang="en-US"/>
           </a:p>
@@ -1984,7 +1984,7 @@
           <a:p>
             <a:fld id="{CD63FF02-0E8F-C94D-9333-E7E525B6484A}" type="datetimeFigureOut">
               <a:rPr lang="en-US" smtClean="0"/>
-              <a:t>4/26/2021</a:t>
+              <a:t>4/27/2021</a:t>
             </a:fld>
             <a:endParaRPr lang="en-US"/>
           </a:p>
@@ -2097,7 +2097,7 @@
           <a:p>
             <a:fld id="{CD63FF02-0E8F-C94D-9333-E7E525B6484A}" type="datetimeFigureOut">
               <a:rPr lang="en-US" smtClean="0"/>
-              <a:t>4/26/2021</a:t>
+              <a:t>4/27/2021</a:t>
             </a:fld>
             <a:endParaRPr lang="en-US"/>
           </a:p>
@@ -2408,7 +2408,7 @@
           <a:p>
             <a:fld id="{CD63FF02-0E8F-C94D-9333-E7E525B6484A}" type="datetimeFigureOut">
               <a:rPr lang="en-US" smtClean="0"/>
-              <a:t>4/26/2021</a:t>
+              <a:t>4/27/2021</a:t>
             </a:fld>
             <a:endParaRPr lang="en-US"/>
           </a:p>
@@ -2696,7 +2696,7 @@
           <a:p>
             <a:fld id="{CD63FF02-0E8F-C94D-9333-E7E525B6484A}" type="datetimeFigureOut">
               <a:rPr lang="en-US" smtClean="0"/>
-              <a:t>4/26/2021</a:t>
+              <a:t>4/27/2021</a:t>
             </a:fld>
             <a:endParaRPr lang="en-US"/>
           </a:p>
@@ -2946,7 +2946,7 @@
           <a:p>
             <a:fld id="{CD63FF02-0E8F-C94D-9333-E7E525B6484A}" type="datetimeFigureOut">
               <a:rPr lang="en-US" smtClean="0"/>
-              <a:t>4/26/2021</a:t>
+              <a:t>4/27/2021</a:t>
             </a:fld>
             <a:endParaRPr lang="en-US"/>
           </a:p>
@@ -5110,6 +5110,24 @@
                     </m:f>
                   </m:oMath>
                 </a14:m>
+                <a:r>
+                  <a:rPr lang="en-US" dirty="0"/>
+                  <a:t>, 9.6</a:t>
+                </a:r>
+                <a:r>
+                  <a:rPr lang="en-US" dirty="0">
+                    <a:latin typeface="Calibri" panose="020F0502020204030204" pitchFamily="34" charset="0"/>
+                    <a:cs typeface="Calibri" panose="020F0502020204030204" pitchFamily="34" charset="0"/>
+                  </a:rPr>
+                  <a:t>µs for 4 full </a:t>
+                </a:r>
+                <a:r>
+                  <a:rPr lang="en-US">
+                    <a:latin typeface="Calibri" panose="020F0502020204030204" pitchFamily="34" charset="0"/>
+                    <a:cs typeface="Calibri" panose="020F0502020204030204" pitchFamily="34" charset="0"/>
+                  </a:rPr>
+                  <a:t>feature maps</a:t>
+                </a:r>
                 <a:endParaRPr lang="en-US" b="0" dirty="0"/>
               </a:p>
               <a:p>
@@ -13569,8 +13587,8 @@
           </a:p>
         </p:txBody>
       </p:sp>
-      <mc:AlternateContent xmlns:mc="http://schemas.openxmlformats.org/markup-compatibility/2006">
-        <mc:Choice xmlns:a14="http://schemas.microsoft.com/office/drawing/2010/main" Requires="a14">
+      <mc:AlternateContent xmlns:mc="http://schemas.openxmlformats.org/markup-compatibility/2006" xmlns:a14="http://schemas.microsoft.com/office/drawing/2010/main">
+        <mc:Choice Requires="a14">
           <p:sp>
             <p:nvSpPr>
               <p:cNvPr id="3" name="Content Placeholder 2">
@@ -13919,19 +13937,7 @@
                       <a:rPr lang="en-US" b="0" i="1" smtClean="0">
                         <a:latin typeface="Cambria Math" panose="02040503050406030204" pitchFamily="18" charset="0"/>
                       </a:rPr>
-                      <m:t>)</m:t>
-                    </m:r>
-                    <m:r>
-                      <a:rPr lang="en-US" b="0" i="1" smtClean="0">
-                        <a:latin typeface="Cambria Math" panose="02040503050406030204" pitchFamily="18" charset="0"/>
-                      </a:rPr>
-                      <m:t>∗</m:t>
-                    </m:r>
-                    <m:r>
-                      <a:rPr lang="en-US" b="0" i="1" smtClean="0">
-                        <a:latin typeface="Cambria Math" panose="02040503050406030204" pitchFamily="18" charset="0"/>
-                      </a:rPr>
-                      <m:t>(</m:t>
+                      <m:t>)∗(</m:t>
                     </m:r>
                     <m:sSup>
                       <m:sSupPr>
@@ -13993,13 +13999,7 @@
                       <a:rPr lang="en-US" b="0" i="1" smtClean="0">
                         <a:latin typeface="Cambria Math" panose="02040503050406030204" pitchFamily="18" charset="0"/>
                       </a:rPr>
-                      <m:t>)</m:t>
-                    </m:r>
-                    <m:r>
-                      <a:rPr lang="en-US" b="0" i="1" smtClean="0">
-                        <a:latin typeface="Cambria Math" panose="02040503050406030204" pitchFamily="18" charset="0"/>
-                      </a:rPr>
-                      <m:t>+</m:t>
+                      <m:t>)+</m:t>
                     </m:r>
                     <m:r>
                       <a:rPr lang="en-US" i="1">
@@ -14067,13 +14067,7 @@
                       <a:rPr lang="en-US" b="0" i="1" smtClean="0">
                         <a:latin typeface="Cambria Math" panose="02040503050406030204" pitchFamily="18" charset="0"/>
                       </a:rPr>
-                      <m:t>)</m:t>
-                    </m:r>
-                    <m:r>
-                      <a:rPr lang="en-US" b="0" i="1" smtClean="0">
-                        <a:latin typeface="Cambria Math" panose="02040503050406030204" pitchFamily="18" charset="0"/>
-                      </a:rPr>
-                      <m:t>∗</m:t>
+                      <m:t>)∗</m:t>
                     </m:r>
                     <m:sSub>
                       <m:sSubPr>
@@ -14141,13 +14135,7 @@
                       <a:rPr lang="en-US" b="0" i="1" smtClean="0">
                         <a:latin typeface="Cambria Math" panose="02040503050406030204" pitchFamily="18" charset="0"/>
                       </a:rPr>
-                      <m:t>)</m:t>
-                    </m:r>
-                    <m:r>
-                      <a:rPr lang="en-US" b="0" i="1" smtClean="0">
-                        <a:latin typeface="Cambria Math" panose="02040503050406030204" pitchFamily="18" charset="0"/>
-                      </a:rPr>
-                      <m:t>+</m:t>
+                      <m:t>)+</m:t>
                     </m:r>
                     <m:r>
                       <a:rPr lang="en-US" i="1">
@@ -14202,13 +14190,7 @@
                       <a:rPr lang="en-US" b="0" i="0" smtClean="0">
                         <a:latin typeface="Cambria Math" panose="02040503050406030204" pitchFamily="18" charset="0"/>
                       </a:rPr>
-                      <m:t>=</m:t>
-                    </m:r>
-                    <m:r>
-                      <a:rPr lang="en-US" b="0" i="0" smtClean="0">
-                        <a:latin typeface="Cambria Math" panose="02040503050406030204" pitchFamily="18" charset="0"/>
-                      </a:rPr>
-                      <m:t>63079</m:t>
+                      <m:t>=63079</m:t>
                     </m:r>
                   </m:oMath>
                 </a14:m>
@@ -14236,7 +14218,7 @@
             </p:txBody>
           </p:sp>
         </mc:Choice>
-        <mc:Fallback>
+        <mc:Fallback xmlns="">
           <p:sp>
             <p:nvSpPr>
               <p:cNvPr id="3" name="Content Placeholder 2">

--- a/Presentations/ProjectPresentation_04-27-JM.pptx
+++ b/Presentations/ProjectPresentation_04-27-JM.pptx
@@ -16,7 +16,8 @@
     <p:sldId id="355" r:id="rId10"/>
     <p:sldId id="358" r:id="rId11"/>
     <p:sldId id="359" r:id="rId12"/>
-    <p:sldId id="334" r:id="rId13"/>
+    <p:sldId id="363" r:id="rId13"/>
+    <p:sldId id="334" r:id="rId14"/>
   </p:sldIdLst>
   <p:sldSz cx="12192000" cy="6858000"/>
   <p:notesSz cx="6858000" cy="9144000"/>
@@ -4915,8 +4916,8 @@
           </a:p>
         </p:txBody>
       </p:sp>
-      <mc:AlternateContent xmlns:mc="http://schemas.openxmlformats.org/markup-compatibility/2006">
-        <mc:Choice xmlns:a14="http://schemas.microsoft.com/office/drawing/2010/main" Requires="a14">
+      <mc:AlternateContent xmlns:mc="http://schemas.openxmlformats.org/markup-compatibility/2006" xmlns:a14="http://schemas.microsoft.com/office/drawing/2010/main">
+        <mc:Choice Requires="a14">
           <p:sp>
             <p:nvSpPr>
               <p:cNvPr id="3" name="Content Placeholder 2">
@@ -5153,7 +5154,7 @@
             </p:txBody>
           </p:sp>
         </mc:Choice>
-        <mc:Fallback>
+        <mc:Fallback xmlns="">
           <p:sp>
             <p:nvSpPr>
               <p:cNvPr id="3" name="Content Placeholder 2">
@@ -5211,6 +5212,133 @@
 </file>
 
 <file path=ppt/slides/slide12.xml><?xml version="1.0" encoding="utf-8"?>
+<p:sld xmlns:a="http://schemas.openxmlformats.org/drawingml/2006/main" xmlns:r="http://schemas.openxmlformats.org/officeDocument/2006/relationships" xmlns:p="http://schemas.openxmlformats.org/presentationml/2006/main">
+  <p:cSld>
+    <p:spTree>
+      <p:nvGrpSpPr>
+        <p:cNvPr id="1" name=""/>
+        <p:cNvGrpSpPr/>
+        <p:nvPr/>
+      </p:nvGrpSpPr>
+      <p:grpSpPr>
+        <a:xfrm>
+          <a:off x="0" y="0"/>
+          <a:ext cx="0" cy="0"/>
+          <a:chOff x="0" y="0"/>
+          <a:chExt cx="0" cy="0"/>
+        </a:xfrm>
+      </p:grpSpPr>
+      <p:sp>
+        <p:nvSpPr>
+          <p:cNvPr id="2" name="Title 1">
+            <a:extLst>
+              <a:ext uri="{FF2B5EF4-FFF2-40B4-BE49-F238E27FC236}">
+                <a16:creationId xmlns:a16="http://schemas.microsoft.com/office/drawing/2014/main" id="{BBFFCFBD-10F3-A942-97D6-A91A58E96A53}"/>
+              </a:ext>
+            </a:extLst>
+          </p:cNvPr>
+          <p:cNvSpPr>
+            <a:spLocks noGrp="1"/>
+          </p:cNvSpPr>
+          <p:nvPr>
+            <p:ph type="title"/>
+          </p:nvPr>
+        </p:nvSpPr>
+        <p:spPr/>
+        <p:txBody>
+          <a:bodyPr/>
+          <a:lstStyle/>
+          <a:p>
+            <a:r>
+              <a:rPr lang="en-US" dirty="0"/>
+              <a:t>Simulation Results - Comparisons</a:t>
+            </a:r>
+          </a:p>
+        </p:txBody>
+      </p:sp>
+      <p:sp>
+        <p:nvSpPr>
+          <p:cNvPr id="3" name="Content Placeholder 2">
+            <a:extLst>
+              <a:ext uri="{FF2B5EF4-FFF2-40B4-BE49-F238E27FC236}">
+                <a16:creationId xmlns:a16="http://schemas.microsoft.com/office/drawing/2014/main" id="{8B5CE503-65D2-434B-B746-E03119BAFA7F}"/>
+              </a:ext>
+            </a:extLst>
+          </p:cNvPr>
+          <p:cNvSpPr>
+            <a:spLocks noGrp="1"/>
+          </p:cNvSpPr>
+          <p:nvPr>
+            <p:ph idx="1"/>
+          </p:nvPr>
+        </p:nvSpPr>
+        <p:spPr>
+          <a:xfrm>
+            <a:off x="2904565" y="1825625"/>
+            <a:ext cx="8449235" cy="4808088"/>
+          </a:xfrm>
+        </p:spPr>
+        <p:txBody>
+          <a:bodyPr>
+            <a:normAutofit/>
+          </a:bodyPr>
+          <a:lstStyle/>
+          <a:p>
+            <a:r>
+              <a:rPr lang="en-US" dirty="0"/>
+              <a:t>SoC: ~12,500 samples/second</a:t>
+            </a:r>
+          </a:p>
+          <a:p>
+            <a:r>
+              <a:rPr lang="en-US" dirty="0"/>
+              <a:t>FPGA: ~66,000,000 samples/second</a:t>
+            </a:r>
+          </a:p>
+          <a:p>
+            <a:pPr lvl="1"/>
+            <a:r>
+              <a:rPr lang="en-US" dirty="0"/>
+              <a:t>Simulated 100% accuracy, but implementation suffered</a:t>
+            </a:r>
+          </a:p>
+          <a:p>
+            <a:r>
+              <a:rPr lang="en-US" dirty="0" err="1"/>
+              <a:t>FeFET</a:t>
+            </a:r>
+            <a:r>
+              <a:rPr lang="en-US" dirty="0"/>
+              <a:t>: ~416,667 samples/second</a:t>
+            </a:r>
+          </a:p>
+          <a:p>
+            <a:pPr lvl="1"/>
+            <a:r>
+              <a:rPr lang="en-US" dirty="0"/>
+              <a:t>Simulated ~99% accuracy, but implementation suffered</a:t>
+            </a:r>
+          </a:p>
+          <a:p>
+            <a:pPr lvl="1"/>
+            <a:endParaRPr lang="en-US" dirty="0"/>
+          </a:p>
+        </p:txBody>
+      </p:sp>
+    </p:spTree>
+    <p:extLst>
+      <p:ext uri="{BB962C8B-B14F-4D97-AF65-F5344CB8AC3E}">
+        <p14:creationId xmlns:p14="http://schemas.microsoft.com/office/powerpoint/2010/main" val="426622350"/>
+      </p:ext>
+    </p:extLst>
+  </p:cSld>
+  <p:clrMapOvr>
+    <a:masterClrMapping/>
+  </p:clrMapOvr>
+</p:sld>
+</file>
+
+<file path=ppt/slides/slide13.xml><?xml version="1.0" encoding="utf-8"?>
 <p:sld xmlns:a="http://schemas.openxmlformats.org/drawingml/2006/main" xmlns:r="http://schemas.openxmlformats.org/officeDocument/2006/relationships" xmlns:p="http://schemas.openxmlformats.org/presentationml/2006/main">
   <p:cSld>
     <p:spTree>
